--- a/intermediate-front-end/slides/powerpoint/day1.pptx
+++ b/intermediate-front-end/slides/powerpoint/day1.pptx
@@ -3666,7 +3666,7 @@
           <a:p>
             <a:pPr/>
             <a:r>
-              <a:t>Instructions: 00-tictactoe-carryover/01-02-changes.txt</a:t>
+              <a:t>Instructions: 00-tictactoe-carryover/02-03-changes.txt</a:t>
             </a:r>
           </a:p>
         </p:txBody>
@@ -5156,7 +5156,7 @@
           <a:p>
             <a:pPr/>
             <a:r>
-              <a:t>Instructions: 01-multi-game-controls/02-03-changes.txt</a:t>
+              <a:t>Instructions: 02-remove-global-object/00-01-changes.txt</a:t>
             </a:r>
           </a:p>
         </p:txBody>
@@ -5656,7 +5656,7 @@
       </p:sp>
       <p:sp>
         <p:nvSpPr>
-          <p:cNvPr id="222" name="Require function - Entry point…"/>
+          <p:cNvPr id="222" name="Entry point…"/>
           <p:cNvSpPr txBox="1"/>
           <p:nvPr>
             <p:ph type="body" idx="1"/>
@@ -5680,7 +5680,7 @@
               <a:defRPr sz="3200"/>
             </a:pPr>
             <a:r>
-              <a:t>Require function - Entry point</a:t>
+              <a:t>Entry point</a:t>
             </a:r>
           </a:p>
           <a:p>
